--- a/PowerPoint/themes/theme7/safari.pptx
+++ b/PowerPoint/themes/theme7/safari.pptx
@@ -7,7 +7,7 @@
   <p:sldIdLst>
     <p:sldId id="257" r:id="rId2"/>
   </p:sldIdLst>
-  <p:sldSz cx="9144000" cy="6858000" type="screen4x3"/>
+  <p:sldSz cx="9144000" cy="5143500" type="screen16x9"/>
   <p:notesSz cx="6858000" cy="9144000"/>
   <p:defaultTextStyle>
     <a:defPPr>
@@ -146,8 +146,8 @@
         </p:nvSpPr>
         <p:spPr>
           <a:xfrm>
-            <a:off x="1631032" y="1340768"/>
-            <a:ext cx="5965304" cy="3744416"/>
+            <a:off x="1631032" y="1005576"/>
+            <a:ext cx="5965304" cy="2808312"/>
           </a:xfrm>
           <a:prstGeom prst="rect">
             <a:avLst/>
@@ -195,8 +195,8 @@
         </p:nvSpPr>
         <p:spPr>
           <a:xfrm>
-            <a:off x="1763688" y="1484784"/>
-            <a:ext cx="5688632" cy="3456384"/>
+            <a:off x="1763688" y="1113588"/>
+            <a:ext cx="5688632" cy="2592288"/>
           </a:xfrm>
           <a:prstGeom prst="rect">
             <a:avLst/>
@@ -252,8 +252,8 @@
         </p:nvSpPr>
         <p:spPr>
           <a:xfrm>
-            <a:off x="2123728" y="2132856"/>
-            <a:ext cx="4968552" cy="1080120"/>
+            <a:off x="2123728" y="1599642"/>
+            <a:ext cx="4968552" cy="810090"/>
           </a:xfrm>
         </p:spPr>
         <p:txBody>
@@ -303,8 +303,8 @@
         </p:nvSpPr>
         <p:spPr>
           <a:xfrm>
-            <a:off x="2123728" y="3284984"/>
-            <a:ext cx="4968552" cy="1224136"/>
+            <a:off x="2123728" y="2463738"/>
+            <a:ext cx="4968552" cy="918102"/>
           </a:xfrm>
         </p:spPr>
         <p:txBody>
@@ -421,8 +421,8 @@
         </p:nvSpPr>
         <p:spPr>
           <a:xfrm>
-            <a:off x="1475657" y="1188368"/>
-            <a:ext cx="6264696" cy="4049216"/>
+            <a:off x="1475657" y="891276"/>
+            <a:ext cx="6264696" cy="3036912"/>
           </a:xfrm>
           <a:prstGeom prst="rect">
             <a:avLst/>
@@ -619,8 +619,8 @@
         </p:nvSpPr>
         <p:spPr>
           <a:xfrm>
-            <a:off x="4648200" y="1600200"/>
-            <a:ext cx="4038600" cy="4525963"/>
+            <a:off x="4648200" y="1200151"/>
+            <a:ext cx="4038600" cy="3394472"/>
           </a:xfrm>
         </p:spPr>
         <p:txBody>
@@ -679,8 +679,8 @@
         </p:nvSpPr>
         <p:spPr>
           <a:xfrm>
-            <a:off x="365760" y="1600200"/>
-            <a:ext cx="4041648" cy="4526280"/>
+            <a:off x="365760" y="1200150"/>
+            <a:ext cx="4041648" cy="3394710"/>
           </a:xfrm>
         </p:spPr>
         <p:txBody>
@@ -779,8 +779,8 @@
         </p:nvSpPr>
         <p:spPr>
           <a:xfrm>
-            <a:off x="394767" y="1441376"/>
-            <a:ext cx="4040188" cy="653008"/>
+            <a:off x="394767" y="1081032"/>
+            <a:ext cx="4040188" cy="489756"/>
           </a:xfrm>
         </p:spPr>
         <p:txBody>
@@ -846,8 +846,8 @@
         </p:nvSpPr>
         <p:spPr>
           <a:xfrm>
-            <a:off x="4585767" y="1448780"/>
-            <a:ext cx="4126693" cy="645604"/>
+            <a:off x="4585768" y="1086585"/>
+            <a:ext cx="4126693" cy="484203"/>
           </a:xfrm>
         </p:spPr>
         <p:txBody>
@@ -913,8 +913,8 @@
         </p:nvSpPr>
         <p:spPr>
           <a:xfrm>
-            <a:off x="4617005" y="2276864"/>
-            <a:ext cx="4097227" cy="3849171"/>
+            <a:off x="4617006" y="1707649"/>
+            <a:ext cx="4097227" cy="2886878"/>
           </a:xfrm>
         </p:spPr>
         <p:txBody>
@@ -970,8 +970,8 @@
         </p:nvSpPr>
         <p:spPr>
           <a:xfrm>
-            <a:off x="386535" y="2258870"/>
-            <a:ext cx="4097227" cy="3849171"/>
+            <a:off x="386536" y="1694153"/>
+            <a:ext cx="4097227" cy="2886878"/>
           </a:xfrm>
         </p:spPr>
         <p:txBody>
@@ -1130,8 +1130,8 @@
         </p:nvSpPr>
         <p:spPr>
           <a:xfrm>
-            <a:off x="2055602" y="1412776"/>
-            <a:ext cx="5060329" cy="3795247"/>
+            <a:off x="2055603" y="1059583"/>
+            <a:ext cx="5060329" cy="2846435"/>
           </a:xfrm>
           <a:blipFill dpi="0" rotWithShape="1">
             <a:blip r:embed="rId2">
@@ -1216,8 +1216,8 @@
         </p:nvSpPr>
         <p:spPr>
           <a:xfrm>
-            <a:off x="1679576" y="5373216"/>
-            <a:ext cx="5711824" cy="970434"/>
+            <a:off x="1679576" y="4029912"/>
+            <a:ext cx="5711824" cy="727826"/>
           </a:xfrm>
         </p:spPr>
         <p:txBody>
@@ -1279,8 +1279,8 @@
         </p:nvCxnSpPr>
         <p:spPr>
           <a:xfrm>
-            <a:off x="13767" y="943136"/>
-            <a:ext cx="9144000" cy="1588"/>
+            <a:off x="13767" y="707352"/>
+            <a:ext cx="9144000" cy="1191"/>
           </a:xfrm>
           <a:prstGeom prst="line">
             <a:avLst/>
@@ -1317,8 +1317,8 @@
         </p:nvCxnSpPr>
         <p:spPr>
           <a:xfrm>
-            <a:off x="13767" y="979140"/>
-            <a:ext cx="9144000" cy="1588"/>
+            <a:off x="13767" y="734355"/>
+            <a:ext cx="9144000" cy="1191"/>
           </a:xfrm>
           <a:prstGeom prst="line">
             <a:avLst/>
@@ -1359,8 +1359,8 @@
         </p:nvSpPr>
         <p:spPr>
           <a:xfrm>
-            <a:off x="457200" y="188640"/>
-            <a:ext cx="8229600" cy="864096"/>
+            <a:off x="457200" y="141480"/>
+            <a:ext cx="8229600" cy="648072"/>
           </a:xfrm>
         </p:spPr>
         <p:txBody>
@@ -1426,8 +1426,8 @@
         </p:nvSpPr>
         <p:spPr>
           <a:xfrm>
-            <a:off x="457200" y="188640"/>
-            <a:ext cx="8229600" cy="864096"/>
+            <a:off x="457200" y="141480"/>
+            <a:ext cx="8229600" cy="648072"/>
           </a:xfrm>
           <a:prstGeom prst="rect">
             <a:avLst/>
@@ -1460,8 +1460,8 @@
         </p:nvSpPr>
         <p:spPr>
           <a:xfrm>
-            <a:off x="457200" y="1600200"/>
-            <a:ext cx="8229600" cy="4525963"/>
+            <a:off x="457200" y="1200151"/>
+            <a:ext cx="8229600" cy="3394472"/>
           </a:xfrm>
           <a:prstGeom prst="rect">
             <a:avLst/>
@@ -1522,8 +1522,8 @@
         </p:nvSpPr>
         <p:spPr>
           <a:xfrm>
-            <a:off x="4291012" y="6381328"/>
-            <a:ext cx="561975" cy="365125"/>
+            <a:off x="4291013" y="4785996"/>
+            <a:ext cx="561975" cy="273844"/>
           </a:xfrm>
           <a:prstGeom prst="rect">
             <a:avLst/>
@@ -1565,8 +1565,8 @@
         </p:nvCxnSpPr>
         <p:spPr>
           <a:xfrm>
-            <a:off x="0" y="1196752"/>
-            <a:ext cx="9144000" cy="1588"/>
+            <a:off x="0" y="897564"/>
+            <a:ext cx="9144000" cy="1191"/>
           </a:xfrm>
           <a:prstGeom prst="line">
             <a:avLst/>

--- a/PowerPoint/themes/theme7/safari.pptx
+++ b/PowerPoint/themes/theme7/safari.pptx
@@ -2237,909 +2237,6 @@
     </a:fmtScheme>
   </a:themeElements>
   <a:objectDefaults/>
-  <a:extraClrSchemeLst>
-    <a:extraClrScheme>
-      <a:clrScheme name="Office">
-        <a:dk1>
-          <a:sysClr val="windowText" lastClr="000000"/>
-        </a:dk1>
-        <a:lt1>
-          <a:sysClr val="window" lastClr="FFFFFF"/>
-        </a:lt1>
-        <a:dk2>
-          <a:srgbClr val="1F497D"/>
-        </a:dk2>
-        <a:lt2>
-          <a:srgbClr val="EEECE1"/>
-        </a:lt2>
-        <a:accent1>
-          <a:srgbClr val="4F81BD"/>
-        </a:accent1>
-        <a:accent2>
-          <a:srgbClr val="C0504D"/>
-        </a:accent2>
-        <a:accent3>
-          <a:srgbClr val="9BBB59"/>
-        </a:accent3>
-        <a:accent4>
-          <a:srgbClr val="8064A2"/>
-        </a:accent4>
-        <a:accent5>
-          <a:srgbClr val="4BACC6"/>
-        </a:accent5>
-        <a:accent6>
-          <a:srgbClr val="F79646"/>
-        </a:accent6>
-        <a:hlink>
-          <a:srgbClr val="0000FF"/>
-        </a:hlink>
-        <a:folHlink>
-          <a:srgbClr val="800080"/>
-        </a:folHlink>
-      </a:clrScheme>
-      <a:clrMap bg1="lt1" tx1="dk1" bg2="lt2" tx2="dk2" accent1="accent1" accent2="accent2" accent3="accent3" accent4="accent4" accent5="accent5" accent6="accent6" hlink="hlink" folHlink="folHlink"/>
-    </a:extraClrScheme>
-    <a:extraClrScheme>
-      <a:clrScheme name="Grayscale">
-        <a:dk1>
-          <a:sysClr val="windowText" lastClr="000000"/>
-        </a:dk1>
-        <a:lt1>
-          <a:sysClr val="window" lastClr="FFFFFF"/>
-        </a:lt1>
-        <a:dk2>
-          <a:srgbClr val="000000"/>
-        </a:dk2>
-        <a:lt2>
-          <a:srgbClr val="F8F8F8"/>
-        </a:lt2>
-        <a:accent1>
-          <a:srgbClr val="DDDDDD"/>
-        </a:accent1>
-        <a:accent2>
-          <a:srgbClr val="B2B2B2"/>
-        </a:accent2>
-        <a:accent3>
-          <a:srgbClr val="969696"/>
-        </a:accent3>
-        <a:accent4>
-          <a:srgbClr val="808080"/>
-        </a:accent4>
-        <a:accent5>
-          <a:srgbClr val="5F5F5F"/>
-        </a:accent5>
-        <a:accent6>
-          <a:srgbClr val="4D4D4D"/>
-        </a:accent6>
-        <a:hlink>
-          <a:srgbClr val="5F5F5F"/>
-        </a:hlink>
-        <a:folHlink>
-          <a:srgbClr val="919191"/>
-        </a:folHlink>
-      </a:clrScheme>
-      <a:clrMap bg1="lt1" tx1="dk1" bg2="lt2" tx2="dk2" accent1="accent1" accent2="accent2" accent3="accent3" accent4="accent4" accent5="accent5" accent6="accent6" hlink="hlink" folHlink="folHlink"/>
-    </a:extraClrScheme>
-    <a:extraClrScheme>
-      <a:clrScheme name="Apex">
-        <a:dk1>
-          <a:sysClr val="windowText" lastClr="000000"/>
-        </a:dk1>
-        <a:lt1>
-          <a:sysClr val="window" lastClr="FFFFFF"/>
-        </a:lt1>
-        <a:dk2>
-          <a:srgbClr val="69676D"/>
-        </a:dk2>
-        <a:lt2>
-          <a:srgbClr val="C9C2D1"/>
-        </a:lt2>
-        <a:accent1>
-          <a:srgbClr val="CEB966"/>
-        </a:accent1>
-        <a:accent2>
-          <a:srgbClr val="9CB084"/>
-        </a:accent2>
-        <a:accent3>
-          <a:srgbClr val="6BB1C9"/>
-        </a:accent3>
-        <a:accent4>
-          <a:srgbClr val="6585CF"/>
-        </a:accent4>
-        <a:accent5>
-          <a:srgbClr val="7E6BC9"/>
-        </a:accent5>
-        <a:accent6>
-          <a:srgbClr val="A379BB"/>
-        </a:accent6>
-        <a:hlink>
-          <a:srgbClr val="410082"/>
-        </a:hlink>
-        <a:folHlink>
-          <a:srgbClr val="932968"/>
-        </a:folHlink>
-      </a:clrScheme>
-      <a:clrMap bg1="lt1" tx1="dk1" bg2="lt2" tx2="dk2" accent1="accent1" accent2="accent2" accent3="accent3" accent4="accent4" accent5="accent5" accent6="accent6" hlink="hlink" folHlink="folHlink"/>
-    </a:extraClrScheme>
-    <a:extraClrScheme>
-      <a:clrScheme name="Aspect">
-        <a:dk1>
-          <a:sysClr val="windowText" lastClr="000000"/>
-        </a:dk1>
-        <a:lt1>
-          <a:sysClr val="window" lastClr="FFFFFF"/>
-        </a:lt1>
-        <a:dk2>
-          <a:srgbClr val="323232"/>
-        </a:dk2>
-        <a:lt2>
-          <a:srgbClr val="E3DED1"/>
-        </a:lt2>
-        <a:accent1>
-          <a:srgbClr val="F07F09"/>
-        </a:accent1>
-        <a:accent2>
-          <a:srgbClr val="9F2936"/>
-        </a:accent2>
-        <a:accent3>
-          <a:srgbClr val="1B587C"/>
-        </a:accent3>
-        <a:accent4>
-          <a:srgbClr val="4E8542"/>
-        </a:accent4>
-        <a:accent5>
-          <a:srgbClr val="604878"/>
-        </a:accent5>
-        <a:accent6>
-          <a:srgbClr val="C19859"/>
-        </a:accent6>
-        <a:hlink>
-          <a:srgbClr val="6B9F25"/>
-        </a:hlink>
-        <a:folHlink>
-          <a:srgbClr val="B26B02"/>
-        </a:folHlink>
-      </a:clrScheme>
-      <a:clrMap bg1="lt1" tx1="dk1" bg2="lt2" tx2="dk2" accent1="accent1" accent2="accent2" accent3="accent3" accent4="accent4" accent5="accent5" accent6="accent6" hlink="hlink" folHlink="folHlink"/>
-    </a:extraClrScheme>
-    <a:extraClrScheme>
-      <a:clrScheme name="Civic">
-        <a:dk1>
-          <a:sysClr val="windowText" lastClr="000000"/>
-        </a:dk1>
-        <a:lt1>
-          <a:sysClr val="window" lastClr="FFFFFF"/>
-        </a:lt1>
-        <a:dk2>
-          <a:srgbClr val="646B86"/>
-        </a:dk2>
-        <a:lt2>
-          <a:srgbClr val="C5D1D7"/>
-        </a:lt2>
-        <a:accent1>
-          <a:srgbClr val="D16349"/>
-        </a:accent1>
-        <a:accent2>
-          <a:srgbClr val="CCB400"/>
-        </a:accent2>
-        <a:accent3>
-          <a:srgbClr val="8CADAE"/>
-        </a:accent3>
-        <a:accent4>
-          <a:srgbClr val="8C7B70"/>
-        </a:accent4>
-        <a:accent5>
-          <a:srgbClr val="8FB08C"/>
-        </a:accent5>
-        <a:accent6>
-          <a:srgbClr val="D19049"/>
-        </a:accent6>
-        <a:hlink>
-          <a:srgbClr val="00A3D6"/>
-        </a:hlink>
-        <a:folHlink>
-          <a:srgbClr val="694F07"/>
-        </a:folHlink>
-      </a:clrScheme>
-      <a:clrMap bg1="lt1" tx1="dk1" bg2="lt2" tx2="dk2" accent1="accent1" accent2="accent2" accent3="accent3" accent4="accent4" accent5="accent5" accent6="accent6" hlink="hlink" folHlink="folHlink"/>
-    </a:extraClrScheme>
-    <a:extraClrScheme>
-      <a:clrScheme name="Concourse">
-        <a:dk1>
-          <a:sysClr val="windowText" lastClr="000000"/>
-        </a:dk1>
-        <a:lt1>
-          <a:sysClr val="window" lastClr="FFFFFF"/>
-        </a:lt1>
-        <a:dk2>
-          <a:srgbClr val="464646"/>
-        </a:dk2>
-        <a:lt2>
-          <a:srgbClr val="DEF5FA"/>
-        </a:lt2>
-        <a:accent1>
-          <a:srgbClr val="2DA2BF"/>
-        </a:accent1>
-        <a:accent2>
-          <a:srgbClr val="DA1F28"/>
-        </a:accent2>
-        <a:accent3>
-          <a:srgbClr val="EB641B"/>
-        </a:accent3>
-        <a:accent4>
-          <a:srgbClr val="39639D"/>
-        </a:accent4>
-        <a:accent5>
-          <a:srgbClr val="474B78"/>
-        </a:accent5>
-        <a:accent6>
-          <a:srgbClr val="7D3C4A"/>
-        </a:accent6>
-        <a:hlink>
-          <a:srgbClr val="FF8119"/>
-        </a:hlink>
-        <a:folHlink>
-          <a:srgbClr val="44B9E8"/>
-        </a:folHlink>
-      </a:clrScheme>
-      <a:clrMap bg1="lt1" tx1="dk1" bg2="lt2" tx2="dk2" accent1="accent1" accent2="accent2" accent3="accent3" accent4="accent4" accent5="accent5" accent6="accent6" hlink="hlink" folHlink="folHlink"/>
-    </a:extraClrScheme>
-    <a:extraClrScheme>
-      <a:clrScheme name="Equity">
-        <a:dk1>
-          <a:sysClr val="windowText" lastClr="000000"/>
-        </a:dk1>
-        <a:lt1>
-          <a:sysClr val="window" lastClr="FFFFFF"/>
-        </a:lt1>
-        <a:dk2>
-          <a:srgbClr val="696464"/>
-        </a:dk2>
-        <a:lt2>
-          <a:srgbClr val="E9E5DC"/>
-        </a:lt2>
-        <a:accent1>
-          <a:srgbClr val="D34817"/>
-        </a:accent1>
-        <a:accent2>
-          <a:srgbClr val="9B2D1F"/>
-        </a:accent2>
-        <a:accent3>
-          <a:srgbClr val="A28E6A"/>
-        </a:accent3>
-        <a:accent4>
-          <a:srgbClr val="956251"/>
-        </a:accent4>
-        <a:accent5>
-          <a:srgbClr val="918485"/>
-        </a:accent5>
-        <a:accent6>
-          <a:srgbClr val="855D5D"/>
-        </a:accent6>
-        <a:hlink>
-          <a:srgbClr val="CC9900"/>
-        </a:hlink>
-        <a:folHlink>
-          <a:srgbClr val="96A9A9"/>
-        </a:folHlink>
-      </a:clrScheme>
-      <a:clrMap bg1="lt1" tx1="dk1" bg2="lt2" tx2="dk2" accent1="accent1" accent2="accent2" accent3="accent3" accent4="accent4" accent5="accent5" accent6="accent6" hlink="hlink" folHlink="folHlink"/>
-    </a:extraClrScheme>
-    <a:extraClrScheme>
-      <a:clrScheme name="Flow">
-        <a:dk1>
-          <a:sysClr val="windowText" lastClr="000000"/>
-        </a:dk1>
-        <a:lt1>
-          <a:sysClr val="window" lastClr="FFFFFF"/>
-        </a:lt1>
-        <a:dk2>
-          <a:srgbClr val="04617B"/>
-        </a:dk2>
-        <a:lt2>
-          <a:srgbClr val="DBF5F9"/>
-        </a:lt2>
-        <a:accent1>
-          <a:srgbClr val="0F6FC6"/>
-        </a:accent1>
-        <a:accent2>
-          <a:srgbClr val="009DD9"/>
-        </a:accent2>
-        <a:accent3>
-          <a:srgbClr val="0BD0D9"/>
-        </a:accent3>
-        <a:accent4>
-          <a:srgbClr val="10CF9B"/>
-        </a:accent4>
-        <a:accent5>
-          <a:srgbClr val="7CCA62"/>
-        </a:accent5>
-        <a:accent6>
-          <a:srgbClr val="A5C249"/>
-        </a:accent6>
-        <a:hlink>
-          <a:srgbClr val="F49100"/>
-        </a:hlink>
-        <a:folHlink>
-          <a:srgbClr val="85DFD0"/>
-        </a:folHlink>
-      </a:clrScheme>
-      <a:clrMap bg1="lt1" tx1="dk1" bg2="lt2" tx2="dk2" accent1="accent1" accent2="accent2" accent3="accent3" accent4="accent4" accent5="accent5" accent6="accent6" hlink="hlink" folHlink="folHlink"/>
-    </a:extraClrScheme>
-    <a:extraClrScheme>
-      <a:clrScheme name="Foundry">
-        <a:dk1>
-          <a:sysClr val="windowText" lastClr="000000"/>
-        </a:dk1>
-        <a:lt1>
-          <a:sysClr val="window" lastClr="FFFFFF"/>
-        </a:lt1>
-        <a:dk2>
-          <a:srgbClr val="676A55"/>
-        </a:dk2>
-        <a:lt2>
-          <a:srgbClr val="EAEBDE"/>
-        </a:lt2>
-        <a:accent1>
-          <a:srgbClr val="72A376"/>
-        </a:accent1>
-        <a:accent2>
-          <a:srgbClr val="B0CCB0"/>
-        </a:accent2>
-        <a:accent3>
-          <a:srgbClr val="A8CDD7"/>
-        </a:accent3>
-        <a:accent4>
-          <a:srgbClr val="C0BEAF"/>
-        </a:accent4>
-        <a:accent5>
-          <a:srgbClr val="CEC597"/>
-        </a:accent5>
-        <a:accent6>
-          <a:srgbClr val="E8B7B7"/>
-        </a:accent6>
-        <a:hlink>
-          <a:srgbClr val="DB5353"/>
-        </a:hlink>
-        <a:folHlink>
-          <a:srgbClr val="903638"/>
-        </a:folHlink>
-      </a:clrScheme>
-      <a:clrMap bg1="lt1" tx1="dk1" bg2="lt2" tx2="dk2" accent1="accent1" accent2="accent2" accent3="accent3" accent4="accent4" accent5="accent5" accent6="accent6" hlink="hlink" folHlink="folHlink"/>
-    </a:extraClrScheme>
-    <a:extraClrScheme>
-      <a:clrScheme name="Median">
-        <a:dk1>
-          <a:sysClr val="windowText" lastClr="000000"/>
-        </a:dk1>
-        <a:lt1>
-          <a:sysClr val="window" lastClr="FFFFFF"/>
-        </a:lt1>
-        <a:dk2>
-          <a:srgbClr val="775F55"/>
-        </a:dk2>
-        <a:lt2>
-          <a:srgbClr val="EBDDC3"/>
-        </a:lt2>
-        <a:accent1>
-          <a:srgbClr val="94B6D2"/>
-        </a:accent1>
-        <a:accent2>
-          <a:srgbClr val="DD8047"/>
-        </a:accent2>
-        <a:accent3>
-          <a:srgbClr val="A5AB81"/>
-        </a:accent3>
-        <a:accent4>
-          <a:srgbClr val="D8B25C"/>
-        </a:accent4>
-        <a:accent5>
-          <a:srgbClr val="7BA79D"/>
-        </a:accent5>
-        <a:accent6>
-          <a:srgbClr val="968C8C"/>
-        </a:accent6>
-        <a:hlink>
-          <a:srgbClr val="F7B615"/>
-        </a:hlink>
-        <a:folHlink>
-          <a:srgbClr val="704404"/>
-        </a:folHlink>
-      </a:clrScheme>
-      <a:clrMap bg1="lt1" tx1="dk1" bg2="lt2" tx2="dk2" accent1="accent1" accent2="accent2" accent3="accent3" accent4="accent4" accent5="accent5" accent6="accent6" hlink="hlink" folHlink="folHlink"/>
-    </a:extraClrScheme>
-    <a:extraClrScheme>
-      <a:clrScheme name="Metro">
-        <a:dk1>
-          <a:sysClr val="windowText" lastClr="000000"/>
-        </a:dk1>
-        <a:lt1>
-          <a:sysClr val="window" lastClr="FFFFFF"/>
-        </a:lt1>
-        <a:dk2>
-          <a:srgbClr val="4E5B6F"/>
-        </a:dk2>
-        <a:lt2>
-          <a:srgbClr val="D6ECFF"/>
-        </a:lt2>
-        <a:accent1>
-          <a:srgbClr val="7FD13B"/>
-        </a:accent1>
-        <a:accent2>
-          <a:srgbClr val="EA157A"/>
-        </a:accent2>
-        <a:accent3>
-          <a:srgbClr val="FEB80A"/>
-        </a:accent3>
-        <a:accent4>
-          <a:srgbClr val="00ADDC"/>
-        </a:accent4>
-        <a:accent5>
-          <a:srgbClr val="738AC8"/>
-        </a:accent5>
-        <a:accent6>
-          <a:srgbClr val="1AB39F"/>
-        </a:accent6>
-        <a:hlink>
-          <a:srgbClr val="EB8803"/>
-        </a:hlink>
-        <a:folHlink>
-          <a:srgbClr val="5F7791"/>
-        </a:folHlink>
-      </a:clrScheme>
-      <a:clrMap bg1="lt1" tx1="dk1" bg2="lt2" tx2="dk2" accent1="accent1" accent2="accent2" accent3="accent3" accent4="accent4" accent5="accent5" accent6="accent6" hlink="hlink" folHlink="folHlink"/>
-    </a:extraClrScheme>
-    <a:extraClrScheme>
-      <a:clrScheme name="Module">
-        <a:dk1>
-          <a:sysClr val="windowText" lastClr="000000"/>
-        </a:dk1>
-        <a:lt1>
-          <a:sysClr val="window" lastClr="FFFFFF"/>
-        </a:lt1>
-        <a:dk2>
-          <a:srgbClr val="5A6378"/>
-        </a:dk2>
-        <a:lt2>
-          <a:srgbClr val="D4D4D6"/>
-        </a:lt2>
-        <a:accent1>
-          <a:srgbClr val="F0AD00"/>
-        </a:accent1>
-        <a:accent2>
-          <a:srgbClr val="60B5CC"/>
-        </a:accent2>
-        <a:accent3>
-          <a:srgbClr val="E66C7D"/>
-        </a:accent3>
-        <a:accent4>
-          <a:srgbClr val="6BB76D"/>
-        </a:accent4>
-        <a:accent5>
-          <a:srgbClr val="E88651"/>
-        </a:accent5>
-        <a:accent6>
-          <a:srgbClr val="C64847"/>
-        </a:accent6>
-        <a:hlink>
-          <a:srgbClr val="168BBA"/>
-        </a:hlink>
-        <a:folHlink>
-          <a:srgbClr val="680000"/>
-        </a:folHlink>
-      </a:clrScheme>
-      <a:clrMap bg1="lt1" tx1="dk1" bg2="lt2" tx2="dk2" accent1="accent1" accent2="accent2" accent3="accent3" accent4="accent4" accent5="accent5" accent6="accent6" hlink="hlink" folHlink="folHlink"/>
-    </a:extraClrScheme>
-    <a:extraClrScheme>
-      <a:clrScheme name="Opulent">
-        <a:dk1>
-          <a:sysClr val="windowText" lastClr="000000"/>
-        </a:dk1>
-        <a:lt1>
-          <a:sysClr val="window" lastClr="FFFFFF"/>
-        </a:lt1>
-        <a:dk2>
-          <a:srgbClr val="B13F9A"/>
-        </a:dk2>
-        <a:lt2>
-          <a:srgbClr val="F4E7ED"/>
-        </a:lt2>
-        <a:accent1>
-          <a:srgbClr val="B83D68"/>
-        </a:accent1>
-        <a:accent2>
-          <a:srgbClr val="AC66BB"/>
-        </a:accent2>
-        <a:accent3>
-          <a:srgbClr val="DE6C36"/>
-        </a:accent3>
-        <a:accent4>
-          <a:srgbClr val="F9B639"/>
-        </a:accent4>
-        <a:accent5>
-          <a:srgbClr val="CF6DA4"/>
-        </a:accent5>
-        <a:accent6>
-          <a:srgbClr val="FA8D3D"/>
-        </a:accent6>
-        <a:hlink>
-          <a:srgbClr val="FFDE66"/>
-        </a:hlink>
-        <a:folHlink>
-          <a:srgbClr val="D490C5"/>
-        </a:folHlink>
-      </a:clrScheme>
-      <a:clrMap bg1="lt1" tx1="dk1" bg2="lt2" tx2="dk2" accent1="accent1" accent2="accent2" accent3="accent3" accent4="accent4" accent5="accent5" accent6="accent6" hlink="hlink" folHlink="folHlink"/>
-    </a:extraClrScheme>
-    <a:extraClrScheme>
-      <a:clrScheme name="Oriel">
-        <a:dk1>
-          <a:sysClr val="windowText" lastClr="000000"/>
-        </a:dk1>
-        <a:lt1>
-          <a:sysClr val="window" lastClr="FFFFFF"/>
-        </a:lt1>
-        <a:dk2>
-          <a:srgbClr val="575F6D"/>
-        </a:dk2>
-        <a:lt2>
-          <a:srgbClr val="FFF39D"/>
-        </a:lt2>
-        <a:accent1>
-          <a:srgbClr val="FE8637"/>
-        </a:accent1>
-        <a:accent2>
-          <a:srgbClr val="7598D9"/>
-        </a:accent2>
-        <a:accent3>
-          <a:srgbClr val="B32C16"/>
-        </a:accent3>
-        <a:accent4>
-          <a:srgbClr val="F5CD2D"/>
-        </a:accent4>
-        <a:accent5>
-          <a:srgbClr val="AEBAD5"/>
-        </a:accent5>
-        <a:accent6>
-          <a:srgbClr val="777C84"/>
-        </a:accent6>
-        <a:hlink>
-          <a:srgbClr val="D2611C"/>
-        </a:hlink>
-        <a:folHlink>
-          <a:srgbClr val="3B435B"/>
-        </a:folHlink>
-      </a:clrScheme>
-      <a:clrMap bg1="lt1" tx1="dk1" bg2="lt2" tx2="dk2" accent1="accent1" accent2="accent2" accent3="accent3" accent4="accent4" accent5="accent5" accent6="accent6" hlink="hlink" folHlink="folHlink"/>
-    </a:extraClrScheme>
-    <a:extraClrScheme>
-      <a:clrScheme name="Origin">
-        <a:dk1>
-          <a:sysClr val="windowText" lastClr="000000"/>
-        </a:dk1>
-        <a:lt1>
-          <a:sysClr val="window" lastClr="FFFFFF"/>
-        </a:lt1>
-        <a:dk2>
-          <a:srgbClr val="464653"/>
-        </a:dk2>
-        <a:lt2>
-          <a:srgbClr val="DDE9EC"/>
-        </a:lt2>
-        <a:accent1>
-          <a:srgbClr val="727CA3"/>
-        </a:accent1>
-        <a:accent2>
-          <a:srgbClr val="9FB8CD"/>
-        </a:accent2>
-        <a:accent3>
-          <a:srgbClr val="D2DA7A"/>
-        </a:accent3>
-        <a:accent4>
-          <a:srgbClr val="FADA7A"/>
-        </a:accent4>
-        <a:accent5>
-          <a:srgbClr val="B88472"/>
-        </a:accent5>
-        <a:accent6>
-          <a:srgbClr val="8E736A"/>
-        </a:accent6>
-        <a:hlink>
-          <a:srgbClr val="B292CA"/>
-        </a:hlink>
-        <a:folHlink>
-          <a:srgbClr val="6B5680"/>
-        </a:folHlink>
-      </a:clrScheme>
-      <a:clrMap bg1="lt1" tx1="dk1" bg2="lt2" tx2="dk2" accent1="accent1" accent2="accent2" accent3="accent3" accent4="accent4" accent5="accent5" accent6="accent6" hlink="hlink" folHlink="folHlink"/>
-    </a:extraClrScheme>
-    <a:extraClrScheme>
-      <a:clrScheme name="Paper">
-        <a:dk1>
-          <a:sysClr val="windowText" lastClr="000000"/>
-        </a:dk1>
-        <a:lt1>
-          <a:sysClr val="window" lastClr="FFFFFF"/>
-        </a:lt1>
-        <a:dk2>
-          <a:srgbClr val="444D26"/>
-        </a:dk2>
-        <a:lt2>
-          <a:srgbClr val="FEFAC9"/>
-        </a:lt2>
-        <a:accent1>
-          <a:srgbClr val="A5B592"/>
-        </a:accent1>
-        <a:accent2>
-          <a:srgbClr val="F3A447"/>
-        </a:accent2>
-        <a:accent3>
-          <a:srgbClr val="E7BC29"/>
-        </a:accent3>
-        <a:accent4>
-          <a:srgbClr val="D092A7"/>
-        </a:accent4>
-        <a:accent5>
-          <a:srgbClr val="9C85C0"/>
-        </a:accent5>
-        <a:accent6>
-          <a:srgbClr val="809EC2"/>
-        </a:accent6>
-        <a:hlink>
-          <a:srgbClr val="8E58B6"/>
-        </a:hlink>
-        <a:folHlink>
-          <a:srgbClr val="7F6F6F"/>
-        </a:folHlink>
-      </a:clrScheme>
-      <a:clrMap bg1="lt1" tx1="dk1" bg2="lt2" tx2="dk2" accent1="accent1" accent2="accent2" accent3="accent3" accent4="accent4" accent5="accent5" accent6="accent6" hlink="hlink" folHlink="folHlink"/>
-    </a:extraClrScheme>
-    <a:extraClrScheme>
-      <a:clrScheme name="Solstice">
-        <a:dk1>
-          <a:sysClr val="windowText" lastClr="000000"/>
-        </a:dk1>
-        <a:lt1>
-          <a:sysClr val="window" lastClr="FFFFFF"/>
-        </a:lt1>
-        <a:dk2>
-          <a:srgbClr val="4F271C"/>
-        </a:dk2>
-        <a:lt2>
-          <a:srgbClr val="E7DEC9"/>
-        </a:lt2>
-        <a:accent1>
-          <a:srgbClr val="3891A7"/>
-        </a:accent1>
-        <a:accent2>
-          <a:srgbClr val="FEB80A"/>
-        </a:accent2>
-        <a:accent3>
-          <a:srgbClr val="C32D2E"/>
-        </a:accent3>
-        <a:accent4>
-          <a:srgbClr val="84AA33"/>
-        </a:accent4>
-        <a:accent5>
-          <a:srgbClr val="964305"/>
-        </a:accent5>
-        <a:accent6>
-          <a:srgbClr val="475A8D"/>
-        </a:accent6>
-        <a:hlink>
-          <a:srgbClr val="8DC765"/>
-        </a:hlink>
-        <a:folHlink>
-          <a:srgbClr val="AA8A14"/>
-        </a:folHlink>
-      </a:clrScheme>
-      <a:clrMap bg1="lt1" tx1="dk1" bg2="lt2" tx2="dk2" accent1="accent1" accent2="accent2" accent3="accent3" accent4="accent4" accent5="accent5" accent6="accent6" hlink="hlink" folHlink="folHlink"/>
-    </a:extraClrScheme>
-    <a:extraClrScheme>
-      <a:clrScheme name="Technic">
-        <a:dk1>
-          <a:sysClr val="windowText" lastClr="000000"/>
-        </a:dk1>
-        <a:lt1>
-          <a:sysClr val="window" lastClr="FFFFFF"/>
-        </a:lt1>
-        <a:dk2>
-          <a:srgbClr val="3B3B3B"/>
-        </a:dk2>
-        <a:lt2>
-          <a:srgbClr val="D4D2D0"/>
-        </a:lt2>
-        <a:accent1>
-          <a:srgbClr val="6EA0B0"/>
-        </a:accent1>
-        <a:accent2>
-          <a:srgbClr val="CCAF0A"/>
-        </a:accent2>
-        <a:accent3>
-          <a:srgbClr val="8D89A4"/>
-        </a:accent3>
-        <a:accent4>
-          <a:srgbClr val="748560"/>
-        </a:accent4>
-        <a:accent5>
-          <a:srgbClr val="9E9273"/>
-        </a:accent5>
-        <a:accent6>
-          <a:srgbClr val="7E848D"/>
-        </a:accent6>
-        <a:hlink>
-          <a:srgbClr val="00C8C3"/>
-        </a:hlink>
-        <a:folHlink>
-          <a:srgbClr val="A116E0"/>
-        </a:folHlink>
-      </a:clrScheme>
-      <a:clrMap bg1="lt1" tx1="dk1" bg2="lt2" tx2="dk2" accent1="accent1" accent2="accent2" accent3="accent3" accent4="accent4" accent5="accent5" accent6="accent6" hlink="hlink" folHlink="folHlink"/>
-    </a:extraClrScheme>
-    <a:extraClrScheme>
-      <a:clrScheme name="Trek">
-        <a:dk1>
-          <a:sysClr val="windowText" lastClr="000000"/>
-        </a:dk1>
-        <a:lt1>
-          <a:sysClr val="window" lastClr="FFFFFF"/>
-        </a:lt1>
-        <a:dk2>
-          <a:srgbClr val="4E3B30"/>
-        </a:dk2>
-        <a:lt2>
-          <a:srgbClr val="FBEEC9"/>
-        </a:lt2>
-        <a:accent1>
-          <a:srgbClr val="F0A22E"/>
-        </a:accent1>
-        <a:accent2>
-          <a:srgbClr val="A5644E"/>
-        </a:accent2>
-        <a:accent3>
-          <a:srgbClr val="B58B80"/>
-        </a:accent3>
-        <a:accent4>
-          <a:srgbClr val="C3986D"/>
-        </a:accent4>
-        <a:accent5>
-          <a:srgbClr val="A19574"/>
-        </a:accent5>
-        <a:accent6>
-          <a:srgbClr val="C17529"/>
-        </a:accent6>
-        <a:hlink>
-          <a:srgbClr val="AD1F1F"/>
-        </a:hlink>
-        <a:folHlink>
-          <a:srgbClr val="FFC42F"/>
-        </a:folHlink>
-      </a:clrScheme>
-      <a:clrMap bg1="lt1" tx1="dk1" bg2="lt2" tx2="dk2" accent1="accent1" accent2="accent2" accent3="accent3" accent4="accent4" accent5="accent5" accent6="accent6" hlink="hlink" folHlink="folHlink"/>
-    </a:extraClrScheme>
-    <a:extraClrScheme>
-      <a:clrScheme name="Urban">
-        <a:dk1>
-          <a:sysClr val="windowText" lastClr="000000"/>
-        </a:dk1>
-        <a:lt1>
-          <a:sysClr val="window" lastClr="FFFFFF"/>
-        </a:lt1>
-        <a:dk2>
-          <a:srgbClr val="424456"/>
-        </a:dk2>
-        <a:lt2>
-          <a:srgbClr val="DEDEDE"/>
-        </a:lt2>
-        <a:accent1>
-          <a:srgbClr val="53548A"/>
-        </a:accent1>
-        <a:accent2>
-          <a:srgbClr val="438086"/>
-        </a:accent2>
-        <a:accent3>
-          <a:srgbClr val="A04DA3"/>
-        </a:accent3>
-        <a:accent4>
-          <a:srgbClr val="C4652D"/>
-        </a:accent4>
-        <a:accent5>
-          <a:srgbClr val="8B5D3D"/>
-        </a:accent5>
-        <a:accent6>
-          <a:srgbClr val="5C92B5"/>
-        </a:accent6>
-        <a:hlink>
-          <a:srgbClr val="67AFBD"/>
-        </a:hlink>
-        <a:folHlink>
-          <a:srgbClr val="C2A874"/>
-        </a:folHlink>
-      </a:clrScheme>
-      <a:clrMap bg1="lt1" tx1="dk1" bg2="lt2" tx2="dk2" accent1="accent1" accent2="accent2" accent3="accent3" accent4="accent4" accent5="accent5" accent6="accent6" hlink="hlink" folHlink="folHlink"/>
-    </a:extraClrScheme>
-    <a:extraClrScheme>
-      <a:clrScheme name="Verve">
-        <a:dk1>
-          <a:sysClr val="windowText" lastClr="000000"/>
-        </a:dk1>
-        <a:lt1>
-          <a:sysClr val="window" lastClr="FFFFFF"/>
-        </a:lt1>
-        <a:dk2>
-          <a:srgbClr val="666666"/>
-        </a:dk2>
-        <a:lt2>
-          <a:srgbClr val="D2D2D2"/>
-        </a:lt2>
-        <a:accent1>
-          <a:srgbClr val="FF388C"/>
-        </a:accent1>
-        <a:accent2>
-          <a:srgbClr val="E40059"/>
-        </a:accent2>
-        <a:accent3>
-          <a:srgbClr val="9C007F"/>
-        </a:accent3>
-        <a:accent4>
-          <a:srgbClr val="68007F"/>
-        </a:accent4>
-        <a:accent5>
-          <a:srgbClr val="005BD3"/>
-        </a:accent5>
-        <a:accent6>
-          <a:srgbClr val="00349E"/>
-        </a:accent6>
-        <a:hlink>
-          <a:srgbClr val="17BBFD"/>
-        </a:hlink>
-        <a:folHlink>
-          <a:srgbClr val="FF79C2"/>
-        </a:folHlink>
-      </a:clrScheme>
-      <a:clrMap bg1="lt1" tx1="dk1" bg2="lt2" tx2="dk2" accent1="accent1" accent2="accent2" accent3="accent3" accent4="accent4" accent5="accent5" accent6="accent6" hlink="hlink" folHlink="folHlink"/>
-    </a:extraClrScheme>
-    <a:extraClrScheme>
-      <a:clrScheme name="Custom">
-        <a:dk1>
-          <a:srgbClr val="0F243E"/>
-        </a:dk1>
-        <a:lt1>
-          <a:sysClr val="window" lastClr="FFFFFF"/>
-        </a:lt1>
-        <a:dk2>
-          <a:srgbClr val="1F497D"/>
-        </a:dk2>
-        <a:lt2>
-          <a:srgbClr val="EEECE1"/>
-        </a:lt2>
-        <a:accent1>
-          <a:srgbClr val="0000FF"/>
-        </a:accent1>
-        <a:accent2>
-          <a:srgbClr val="FE19FF"/>
-        </a:accent2>
-        <a:accent3>
-          <a:srgbClr val="00B050"/>
-        </a:accent3>
-        <a:accent4>
-          <a:srgbClr val="FF0000"/>
-        </a:accent4>
-        <a:accent5>
-          <a:srgbClr val="4BACC6"/>
-        </a:accent5>
-        <a:accent6>
-          <a:srgbClr val="FFFF00"/>
-        </a:accent6>
-        <a:hlink>
-          <a:srgbClr val="548DD4"/>
-        </a:hlink>
-        <a:folHlink>
-          <a:srgbClr val="FE19FF"/>
-        </a:folHlink>
-      </a:clrScheme>
-      <a:clrMap bg1="lt1" tx1="dk1" bg2="lt2" tx2="dk2" accent1="accent1" accent2="accent2" accent3="accent3" accent4="accent4" accent5="accent5" accent6="accent6" hlink="hlink" folHlink="folHlink"/>
-    </a:extraClrScheme>
-  </a:extraClrSchemeLst>
+  <a:extraClrSchemeLst/>
 </a:theme>
 </file>
--- a/PowerPoint/themes/theme7/safari.pptx
+++ b/PowerPoint/themes/theme7/safari.pptx
@@ -109,7 +109,7 @@
 
 <file path=ppt/slideLayouts/slideLayout1.xml><?xml version="1.0" encoding="utf-8"?>
 <p:sldLayout xmlns:a="http://schemas.openxmlformats.org/drawingml/2006/main" xmlns:r="http://schemas.openxmlformats.org/officeDocument/2006/relationships" xmlns:p="http://schemas.openxmlformats.org/presentationml/2006/main" showMasterSp="0" type="title" preserve="1">
-  <p:cSld name="Титульный слайд">
+  <p:cSld name="Title Slide">
     <p:bg>
       <p:bgPr>
         <a:blipFill dpi="0" rotWithShape="1">
@@ -472,7 +472,7 @@
 
 <file path=ppt/slideLayouts/slideLayout2.xml><?xml version="1.0" encoding="utf-8"?>
 <p:sldLayout xmlns:a="http://schemas.openxmlformats.org/drawingml/2006/main" xmlns:r="http://schemas.openxmlformats.org/officeDocument/2006/relationships" xmlns:p="http://schemas.openxmlformats.org/presentationml/2006/main" type="obj" preserve="1">
-  <p:cSld name="Заголовок и объект">
+  <p:cSld name="Title and Content">
     <p:spTree>
       <p:nvGrpSpPr>
         <p:cNvPr id="1" name=""/>
@@ -569,7 +569,7 @@
 
 <file path=ppt/slideLayouts/slideLayout3.xml><?xml version="1.0" encoding="utf-8"?>
 <p:sldLayout xmlns:a="http://schemas.openxmlformats.org/drawingml/2006/main" xmlns:r="http://schemas.openxmlformats.org/officeDocument/2006/relationships" xmlns:p="http://schemas.openxmlformats.org/presentationml/2006/main" type="twoObj" preserve="1">
-  <p:cSld name="Два объекта">
+  <p:cSld name="Section Header">
     <p:spTree>
       <p:nvGrpSpPr>
         <p:cNvPr id="1" name=""/>
@@ -725,7 +725,7 @@
 
 <file path=ppt/slideLayouts/slideLayout4.xml><?xml version="1.0" encoding="utf-8"?>
 <p:sldLayout xmlns:a="http://schemas.openxmlformats.org/drawingml/2006/main" xmlns:r="http://schemas.openxmlformats.org/officeDocument/2006/relationships" xmlns:p="http://schemas.openxmlformats.org/presentationml/2006/main" type="twoObj" preserve="1" userDrawn="1">
-  <p:cSld name="Сравнение">
+  <p:cSld name="Comparison">
     <p:spTree>
       <p:nvGrpSpPr>
         <p:cNvPr id="1" name=""/>
@@ -1025,7 +1025,7 @@
 
 <file path=ppt/slideLayouts/slideLayout5.xml><?xml version="1.0" encoding="utf-8"?>
 <p:sldLayout xmlns:a="http://schemas.openxmlformats.org/drawingml/2006/main" xmlns:r="http://schemas.openxmlformats.org/officeDocument/2006/relationships" xmlns:p="http://schemas.openxmlformats.org/presentationml/2006/main" type="titleOnly" preserve="1">
-  <p:cSld name="Только заголовок">
+  <p:cSld name="Title Only">
     <p:spTree>
       <p:nvGrpSpPr>
         <p:cNvPr id="1" name=""/>
@@ -1073,7 +1073,7 @@
 
 <file path=ppt/slideLayouts/slideLayout6.xml><?xml version="1.0" encoding="utf-8"?>
 <p:sldLayout xmlns:a="http://schemas.openxmlformats.org/drawingml/2006/main" xmlns:r="http://schemas.openxmlformats.org/officeDocument/2006/relationships" xmlns:p="http://schemas.openxmlformats.org/presentationml/2006/main" type="blank" preserve="1" userDrawn="1">
-  <p:cSld name="Пустой слайд">
+  <p:cSld name="Blank">
     <p:spTree>
       <p:nvGrpSpPr>
         <p:cNvPr id="1" name=""/>
@@ -1103,7 +1103,7 @@
 
 <file path=ppt/slideLayouts/slideLayout7.xml><?xml version="1.0" encoding="utf-8"?>
 <p:sldLayout xmlns:a="http://schemas.openxmlformats.org/drawingml/2006/main" xmlns:r="http://schemas.openxmlformats.org/officeDocument/2006/relationships" xmlns:p="http://schemas.openxmlformats.org/presentationml/2006/main" type="picTx" preserve="1" userDrawn="1">
-  <p:cSld name="Рисунок с подписью">
+  <p:cSld name="Picture with Caption">
     <p:spTree>
       <p:nvGrpSpPr>
         <p:cNvPr id="1" name=""/>
